--- a/Image/overal_mem.pptx
+++ b/Image/overal_mem.pptx
@@ -261,7 +261,7 @@
           <a:p>
             <a:fld id="{E32C0DAA-45AC-4754-803F-B280AA039A82}" type="datetimeFigureOut">
               <a:rPr lang="fr-BE" smtClean="0"/>
-              <a:t>10-08-20</a:t>
+              <a:t>15-08-20</a:t>
             </a:fld>
             <a:endParaRPr lang="fr-BE"/>
           </a:p>
@@ -461,7 +461,7 @@
           <a:p>
             <a:fld id="{E32C0DAA-45AC-4754-803F-B280AA039A82}" type="datetimeFigureOut">
               <a:rPr lang="fr-BE" smtClean="0"/>
-              <a:t>10-08-20</a:t>
+              <a:t>15-08-20</a:t>
             </a:fld>
             <a:endParaRPr lang="fr-BE"/>
           </a:p>
@@ -671,7 +671,7 @@
           <a:p>
             <a:fld id="{E32C0DAA-45AC-4754-803F-B280AA039A82}" type="datetimeFigureOut">
               <a:rPr lang="fr-BE" smtClean="0"/>
-              <a:t>10-08-20</a:t>
+              <a:t>15-08-20</a:t>
             </a:fld>
             <a:endParaRPr lang="fr-BE"/>
           </a:p>
@@ -871,7 +871,7 @@
           <a:p>
             <a:fld id="{E32C0DAA-45AC-4754-803F-B280AA039A82}" type="datetimeFigureOut">
               <a:rPr lang="fr-BE" smtClean="0"/>
-              <a:t>10-08-20</a:t>
+              <a:t>15-08-20</a:t>
             </a:fld>
             <a:endParaRPr lang="fr-BE"/>
           </a:p>
@@ -1147,7 +1147,7 @@
           <a:p>
             <a:fld id="{E32C0DAA-45AC-4754-803F-B280AA039A82}" type="datetimeFigureOut">
               <a:rPr lang="fr-BE" smtClean="0"/>
-              <a:t>10-08-20</a:t>
+              <a:t>15-08-20</a:t>
             </a:fld>
             <a:endParaRPr lang="fr-BE"/>
           </a:p>
@@ -1415,7 +1415,7 @@
           <a:p>
             <a:fld id="{E32C0DAA-45AC-4754-803F-B280AA039A82}" type="datetimeFigureOut">
               <a:rPr lang="fr-BE" smtClean="0"/>
-              <a:t>10-08-20</a:t>
+              <a:t>15-08-20</a:t>
             </a:fld>
             <a:endParaRPr lang="fr-BE"/>
           </a:p>
@@ -1830,7 +1830,7 @@
           <a:p>
             <a:fld id="{E32C0DAA-45AC-4754-803F-B280AA039A82}" type="datetimeFigureOut">
               <a:rPr lang="fr-BE" smtClean="0"/>
-              <a:t>10-08-20</a:t>
+              <a:t>15-08-20</a:t>
             </a:fld>
             <a:endParaRPr lang="fr-BE"/>
           </a:p>
@@ -1972,7 +1972,7 @@
           <a:p>
             <a:fld id="{E32C0DAA-45AC-4754-803F-B280AA039A82}" type="datetimeFigureOut">
               <a:rPr lang="fr-BE" smtClean="0"/>
-              <a:t>10-08-20</a:t>
+              <a:t>15-08-20</a:t>
             </a:fld>
             <a:endParaRPr lang="fr-BE"/>
           </a:p>
@@ -2085,7 +2085,7 @@
           <a:p>
             <a:fld id="{E32C0DAA-45AC-4754-803F-B280AA039A82}" type="datetimeFigureOut">
               <a:rPr lang="fr-BE" smtClean="0"/>
-              <a:t>10-08-20</a:t>
+              <a:t>15-08-20</a:t>
             </a:fld>
             <a:endParaRPr lang="fr-BE"/>
           </a:p>
@@ -2398,7 +2398,7 @@
           <a:p>
             <a:fld id="{E32C0DAA-45AC-4754-803F-B280AA039A82}" type="datetimeFigureOut">
               <a:rPr lang="fr-BE" smtClean="0"/>
-              <a:t>10-08-20</a:t>
+              <a:t>15-08-20</a:t>
             </a:fld>
             <a:endParaRPr lang="fr-BE"/>
           </a:p>
@@ -2687,7 +2687,7 @@
           <a:p>
             <a:fld id="{E32C0DAA-45AC-4754-803F-B280AA039A82}" type="datetimeFigureOut">
               <a:rPr lang="fr-BE" smtClean="0"/>
-              <a:t>10-08-20</a:t>
+              <a:t>15-08-20</a:t>
             </a:fld>
             <a:endParaRPr lang="fr-BE"/>
           </a:p>
@@ -2930,7 +2930,7 @@
           <a:p>
             <a:fld id="{E32C0DAA-45AC-4754-803F-B280AA039A82}" type="datetimeFigureOut">
               <a:rPr lang="fr-BE" smtClean="0"/>
-              <a:t>10-08-20</a:t>
+              <a:t>15-08-20</a:t>
             </a:fld>
             <a:endParaRPr lang="fr-BE"/>
           </a:p>
@@ -3399,7 +3399,7 @@
               </a:spcAft>
             </a:pPr>
             <a:r>
-              <a:rPr lang="fr-FR" sz="900" kern="1200">
+              <a:rPr lang="fr-FR" sz="2400" kern="1200" dirty="0">
                 <a:solidFill>
                   <a:srgbClr val="FFFFFF"/>
                 </a:solidFill>
@@ -3409,7 +3409,7 @@
               </a:rPr>
               <a:t>Standard convolution kernels</a:t>
             </a:r>
-            <a:endParaRPr lang="fr-BE" sz="1100">
+            <a:endParaRPr lang="fr-BE" sz="2400" dirty="0">
               <a:effectLst/>
               <a:ea typeface="Calibri" panose="020F0502020204030204" pitchFamily="34" charset="0"/>
               <a:cs typeface="Times New Roman" panose="02020603050405020304" pitchFamily="18" charset="0"/>
@@ -3518,7 +3518,7 @@
               </a:spcAft>
             </a:pPr>
             <a:r>
-              <a:rPr lang="fr-FR" sz="900" kern="1200">
+              <a:rPr lang="fr-FR" sz="2400" kern="1200" dirty="0" err="1">
                 <a:solidFill>
                   <a:srgbClr val="FFFFFF"/>
                 </a:solidFill>
@@ -3526,9 +3526,20 @@
                 <a:ea typeface="Calibri" panose="020F0502020204030204" pitchFamily="34" charset="0"/>
                 <a:cs typeface="Times New Roman" panose="02020603050405020304" pitchFamily="18" charset="0"/>
               </a:rPr>
-              <a:t>Depthtwise kernels</a:t>
-            </a:r>
-            <a:endParaRPr lang="fr-BE" sz="1100">
+              <a:t>Depthtwise</a:t>
+            </a:r>
+            <a:r>
+              <a:rPr lang="fr-FR" sz="2400" kern="1200" dirty="0">
+                <a:solidFill>
+                  <a:srgbClr val="FFFFFF"/>
+                </a:solidFill>
+                <a:effectLst/>
+                <a:ea typeface="Calibri" panose="020F0502020204030204" pitchFamily="34" charset="0"/>
+                <a:cs typeface="Times New Roman" panose="02020603050405020304" pitchFamily="18" charset="0"/>
+              </a:rPr>
+              <a:t> kernels</a:t>
+            </a:r>
+            <a:endParaRPr lang="fr-BE" sz="2400" dirty="0">
               <a:effectLst/>
               <a:ea typeface="Calibri" panose="020F0502020204030204" pitchFamily="34" charset="0"/>
               <a:cs typeface="Times New Roman" panose="02020603050405020304" pitchFamily="18" charset="0"/>
@@ -3637,7 +3648,7 @@
               </a:spcAft>
             </a:pPr>
             <a:r>
-              <a:rPr lang="fr-FR" sz="900" kern="1200">
+              <a:rPr lang="fr-FR" sz="2400" kern="1200" dirty="0" err="1">
                 <a:solidFill>
                   <a:srgbClr val="FFFFFF"/>
                 </a:solidFill>
@@ -3645,9 +3656,20 @@
                 <a:ea typeface="Calibri" panose="020F0502020204030204" pitchFamily="34" charset="0"/>
                 <a:cs typeface="Times New Roman" panose="02020603050405020304" pitchFamily="18" charset="0"/>
               </a:rPr>
-              <a:t>Pointwise kernels</a:t>
-            </a:r>
-            <a:endParaRPr lang="fr-BE" sz="1100">
+              <a:t>Pointwise</a:t>
+            </a:r>
+            <a:r>
+              <a:rPr lang="fr-FR" sz="2400" kern="1200" dirty="0">
+                <a:solidFill>
+                  <a:srgbClr val="FFFFFF"/>
+                </a:solidFill>
+                <a:effectLst/>
+                <a:ea typeface="Calibri" panose="020F0502020204030204" pitchFamily="34" charset="0"/>
+                <a:cs typeface="Times New Roman" panose="02020603050405020304" pitchFamily="18" charset="0"/>
+              </a:rPr>
+              <a:t> kernels</a:t>
+            </a:r>
+            <a:endParaRPr lang="fr-BE" sz="2400" dirty="0">
               <a:effectLst/>
               <a:ea typeface="Calibri" panose="020F0502020204030204" pitchFamily="34" charset="0"/>
               <a:cs typeface="Times New Roman" panose="02020603050405020304" pitchFamily="18" charset="0"/>
@@ -3760,7 +3782,7 @@
                 <a14:m>
                   <m:oMath xmlns:m="http://schemas.openxmlformats.org/officeDocument/2006/math">
                     <m:r>
-                      <a:rPr lang="fr-BE" sz="900" i="1" kern="1200">
+                      <a:rPr lang="fr-BE" sz="2400" i="1" kern="1200">
                         <a:solidFill>
                           <a:srgbClr val="FFFFFF"/>
                         </a:solidFill>
@@ -3774,7 +3796,7 @@
                   </m:oMath>
                 </a14:m>
                 <a:r>
-                  <a:rPr lang="fr-FR" sz="900" kern="1200" dirty="0">
+                  <a:rPr lang="fr-FR" sz="2400" kern="1200" dirty="0">
                     <a:solidFill>
                       <a:srgbClr val="FFFFFF"/>
                     </a:solidFill>
@@ -3784,7 +3806,7 @@
                   </a:rPr>
                   <a:t> kernels</a:t>
                 </a:r>
-                <a:endParaRPr lang="fr-BE" sz="1100" dirty="0">
+                <a:endParaRPr lang="fr-BE" sz="2400" dirty="0">
                   <a:effectLst/>
                   <a:ea typeface="Calibri" panose="020F0502020204030204" pitchFamily="34" charset="0"/>
                   <a:cs typeface="Times New Roman" panose="02020603050405020304" pitchFamily="18" charset="0"/>
@@ -3819,7 +3841,7 @@
               <a:blipFill>
                 <a:blip r:embed="rId2"/>
                 <a:stretch>
-                  <a:fillRect/>
+                  <a:fillRect t="-3947" b="-35526"/>
                 </a:stretch>
               </a:blipFill>
             </p:spPr>
@@ -3939,7 +3961,7 @@
               </a:spcAft>
             </a:pPr>
             <a:r>
-              <a:rPr lang="fr-BE" sz="900" kern="1200">
+              <a:rPr lang="fr-BE" sz="2400" kern="1200" dirty="0">
                 <a:solidFill>
                   <a:srgbClr val="FFFFFF"/>
                 </a:solidFill>
@@ -3949,7 +3971,7 @@
               </a:rPr>
               <a:t>FMO/FMI</a:t>
             </a:r>
-            <a:endParaRPr lang="fr-BE" sz="1100">
+            <a:endParaRPr lang="fr-BE" sz="2400" dirty="0">
               <a:effectLst/>
               <a:ea typeface="Calibri" panose="020F0502020204030204" pitchFamily="34" charset="0"/>
               <a:cs typeface="Times New Roman" panose="02020603050405020304" pitchFamily="18" charset="0"/>
@@ -4058,7 +4080,7 @@
               </a:spcAft>
             </a:pPr>
             <a:r>
-              <a:rPr lang="fr-BE" sz="900" kern="1200">
+              <a:rPr lang="fr-BE" sz="2400" kern="1200" dirty="0">
                 <a:solidFill>
                   <a:srgbClr val="FFFFFF"/>
                 </a:solidFill>
@@ -4068,7 +4090,7 @@
               </a:rPr>
               <a:t>FMI/FMO</a:t>
             </a:r>
-            <a:endParaRPr lang="fr-BE" sz="1100">
+            <a:endParaRPr lang="fr-BE" sz="2400" dirty="0">
               <a:effectLst/>
               <a:ea typeface="Calibri" panose="020F0502020204030204" pitchFamily="34" charset="0"/>
               <a:cs typeface="Times New Roman" panose="02020603050405020304" pitchFamily="18" charset="0"/>
@@ -4177,7 +4199,7 @@
               </a:spcAft>
             </a:pPr>
             <a:r>
-              <a:rPr lang="fr-BE" sz="900" kern="1200">
+              <a:rPr lang="fr-BE" sz="2400" kern="1200" dirty="0">
                 <a:solidFill>
                   <a:srgbClr val="FFFFFF"/>
                 </a:solidFill>
@@ -4187,7 +4209,7 @@
               </a:rPr>
               <a:t>Layer information</a:t>
             </a:r>
-            <a:endParaRPr lang="fr-BE" sz="1100">
+            <a:endParaRPr lang="fr-BE" sz="3600" dirty="0">
               <a:effectLst/>
               <a:ea typeface="Calibri" panose="020F0502020204030204" pitchFamily="34" charset="0"/>
               <a:cs typeface="Times New Roman" panose="02020603050405020304" pitchFamily="18" charset="0"/>
